--- a/Reports/FiberSim_report.pptx
+++ b/Reports/FiberSim_report.pptx
@@ -115,6 +115,11 @@
       </a:defRPr>
     </a:lvl9pPr>
   </p:defaultTextStyle>
+  <p:extLst>
+    <p:ext uri="{EFAFB233-063F-42B5-8137-9DF3F51BA10A}">
+      <p15:sldGuideLst xmlns:p15="http://schemas.microsoft.com/office/powerpoint/2012/main"/>
+    </p:ext>
+  </p:extLst>
 </p:presentation>
 </file>
 
@@ -265,7 +270,7 @@
           <a:p>
             <a:fld id="{AF8B3AFB-DC82-44D0-8B52-09735DEFE1C4}" type="datetimeFigureOut">
               <a:rPr lang="en-US" smtClean="0"/>
-              <a:t>10/29/2024</a:t>
+              <a:t>10/31/2024</a:t>
             </a:fld>
             <a:endParaRPr lang="en-US"/>
           </a:p>
@@ -463,7 +468,7 @@
           <a:p>
             <a:fld id="{AF8B3AFB-DC82-44D0-8B52-09735DEFE1C4}" type="datetimeFigureOut">
               <a:rPr lang="en-US" smtClean="0"/>
-              <a:t>10/29/2024</a:t>
+              <a:t>10/31/2024</a:t>
             </a:fld>
             <a:endParaRPr lang="en-US"/>
           </a:p>
@@ -671,7 +676,7 @@
           <a:p>
             <a:fld id="{AF8B3AFB-DC82-44D0-8B52-09735DEFE1C4}" type="datetimeFigureOut">
               <a:rPr lang="en-US" smtClean="0"/>
-              <a:t>10/29/2024</a:t>
+              <a:t>10/31/2024</a:t>
             </a:fld>
             <a:endParaRPr lang="en-US"/>
           </a:p>
@@ -869,7 +874,7 @@
           <a:p>
             <a:fld id="{AF8B3AFB-DC82-44D0-8B52-09735DEFE1C4}" type="datetimeFigureOut">
               <a:rPr lang="en-US" smtClean="0"/>
-              <a:t>10/29/2024</a:t>
+              <a:t>10/31/2024</a:t>
             </a:fld>
             <a:endParaRPr lang="en-US"/>
           </a:p>
@@ -1144,7 +1149,7 @@
           <a:p>
             <a:fld id="{AF8B3AFB-DC82-44D0-8B52-09735DEFE1C4}" type="datetimeFigureOut">
               <a:rPr lang="en-US" smtClean="0"/>
-              <a:t>10/29/2024</a:t>
+              <a:t>10/31/2024</a:t>
             </a:fld>
             <a:endParaRPr lang="en-US"/>
           </a:p>
@@ -1409,7 +1414,7 @@
           <a:p>
             <a:fld id="{AF8B3AFB-DC82-44D0-8B52-09735DEFE1C4}" type="datetimeFigureOut">
               <a:rPr lang="en-US" smtClean="0"/>
-              <a:t>10/29/2024</a:t>
+              <a:t>10/31/2024</a:t>
             </a:fld>
             <a:endParaRPr lang="en-US"/>
           </a:p>
@@ -1821,7 +1826,7 @@
           <a:p>
             <a:fld id="{AF8B3AFB-DC82-44D0-8B52-09735DEFE1C4}" type="datetimeFigureOut">
               <a:rPr lang="en-US" smtClean="0"/>
-              <a:t>10/29/2024</a:t>
+              <a:t>10/31/2024</a:t>
             </a:fld>
             <a:endParaRPr lang="en-US"/>
           </a:p>
@@ -1962,7 +1967,7 @@
           <a:p>
             <a:fld id="{AF8B3AFB-DC82-44D0-8B52-09735DEFE1C4}" type="datetimeFigureOut">
               <a:rPr lang="en-US" smtClean="0"/>
-              <a:t>10/29/2024</a:t>
+              <a:t>10/31/2024</a:t>
             </a:fld>
             <a:endParaRPr lang="en-US"/>
           </a:p>
@@ -2075,7 +2080,7 @@
           <a:p>
             <a:fld id="{AF8B3AFB-DC82-44D0-8B52-09735DEFE1C4}" type="datetimeFigureOut">
               <a:rPr lang="en-US" smtClean="0"/>
-              <a:t>10/29/2024</a:t>
+              <a:t>10/31/2024</a:t>
             </a:fld>
             <a:endParaRPr lang="en-US"/>
           </a:p>
@@ -2386,7 +2391,7 @@
           <a:p>
             <a:fld id="{AF8B3AFB-DC82-44D0-8B52-09735DEFE1C4}" type="datetimeFigureOut">
               <a:rPr lang="en-US" smtClean="0"/>
-              <a:t>10/29/2024</a:t>
+              <a:t>10/31/2024</a:t>
             </a:fld>
             <a:endParaRPr lang="en-US"/>
           </a:p>
@@ -2674,7 +2679,7 @@
           <a:p>
             <a:fld id="{AF8B3AFB-DC82-44D0-8B52-09735DEFE1C4}" type="datetimeFigureOut">
               <a:rPr lang="en-US" smtClean="0"/>
-              <a:t>10/29/2024</a:t>
+              <a:t>10/31/2024</a:t>
             </a:fld>
             <a:endParaRPr lang="en-US"/>
           </a:p>
@@ -2915,7 +2920,7 @@
           <a:p>
             <a:fld id="{AF8B3AFB-DC82-44D0-8B52-09735DEFE1C4}" type="datetimeFigureOut">
               <a:rPr lang="en-US" smtClean="0"/>
-              <a:t>10/29/2024</a:t>
+              <a:t>10/31/2024</a:t>
             </a:fld>
             <a:endParaRPr lang="en-US"/>
           </a:p>
@@ -4596,7 +4601,7 @@
         <p:spPr>
           <a:xfrm>
             <a:off x="536289" y="5518988"/>
-            <a:ext cx="4932056" cy="646331"/>
+            <a:ext cx="5338256" cy="646331"/>
           </a:xfrm>
           <a:prstGeom prst="rect">
             <a:avLst/>
@@ -4625,7 +4630,7 @@
                   <a:schemeClr val="accent4"/>
                 </a:solidFill>
               </a:rPr>
-              <a:t>Isotype 1 high, isotype2 low duty ratio</a:t>
+              <a:t>Isotype 1 high, isotype 2 normal duty ratio</a:t>
             </a:r>
           </a:p>
         </p:txBody>
